--- a/documentos/FINANZAS.pptx
+++ b/documentos/FINANZAS.pptx
@@ -108,6 +108,11 @@
       </a:defRPr>
     </a:lvl9pPr>
   </p:defaultTextStyle>
+  <p:extLst>
+    <p:ext uri="{EFAFB233-063F-42B5-8137-9DF3F51BA10A}">
+      <p15:sldGuideLst xmlns:p15="http://schemas.microsoft.com/office/powerpoint/2012/main"/>
+    </p:ext>
+  </p:extLst>
 </p:presentation>
 </file>
 
@@ -288,7 +293,7 @@
           <a:p>
             <a:fld id="{360A753D-C93B-4D15-A597-306F64BE7CB8}" type="datetimeFigureOut">
               <a:rPr lang="es-CO" smtClean="0"/>
-              <a:t>8/04/2022</a:t>
+              <a:t>10/04/2022</a:t>
             </a:fld>
             <a:endParaRPr lang="es-CO"/>
           </a:p>
@@ -488,7 +493,7 @@
           <a:p>
             <a:fld id="{360A753D-C93B-4D15-A597-306F64BE7CB8}" type="datetimeFigureOut">
               <a:rPr lang="es-CO" smtClean="0"/>
-              <a:t>8/04/2022</a:t>
+              <a:t>10/04/2022</a:t>
             </a:fld>
             <a:endParaRPr lang="es-CO"/>
           </a:p>
@@ -698,7 +703,7 @@
           <a:p>
             <a:fld id="{360A753D-C93B-4D15-A597-306F64BE7CB8}" type="datetimeFigureOut">
               <a:rPr lang="es-CO" smtClean="0"/>
-              <a:t>8/04/2022</a:t>
+              <a:t>10/04/2022</a:t>
             </a:fld>
             <a:endParaRPr lang="es-CO"/>
           </a:p>
@@ -898,7 +903,7 @@
           <a:p>
             <a:fld id="{360A753D-C93B-4D15-A597-306F64BE7CB8}" type="datetimeFigureOut">
               <a:rPr lang="es-CO" smtClean="0"/>
-              <a:t>8/04/2022</a:t>
+              <a:t>10/04/2022</a:t>
             </a:fld>
             <a:endParaRPr lang="es-CO"/>
           </a:p>
@@ -1174,7 +1179,7 @@
           <a:p>
             <a:fld id="{360A753D-C93B-4D15-A597-306F64BE7CB8}" type="datetimeFigureOut">
               <a:rPr lang="es-CO" smtClean="0"/>
-              <a:t>8/04/2022</a:t>
+              <a:t>10/04/2022</a:t>
             </a:fld>
             <a:endParaRPr lang="es-CO"/>
           </a:p>
@@ -1442,7 +1447,7 @@
           <a:p>
             <a:fld id="{360A753D-C93B-4D15-A597-306F64BE7CB8}" type="datetimeFigureOut">
               <a:rPr lang="es-CO" smtClean="0"/>
-              <a:t>8/04/2022</a:t>
+              <a:t>10/04/2022</a:t>
             </a:fld>
             <a:endParaRPr lang="es-CO"/>
           </a:p>
@@ -1857,7 +1862,7 @@
           <a:p>
             <a:fld id="{360A753D-C93B-4D15-A597-306F64BE7CB8}" type="datetimeFigureOut">
               <a:rPr lang="es-CO" smtClean="0"/>
-              <a:t>8/04/2022</a:t>
+              <a:t>10/04/2022</a:t>
             </a:fld>
             <a:endParaRPr lang="es-CO"/>
           </a:p>
@@ -1999,7 +2004,7 @@
           <a:p>
             <a:fld id="{360A753D-C93B-4D15-A597-306F64BE7CB8}" type="datetimeFigureOut">
               <a:rPr lang="es-CO" smtClean="0"/>
-              <a:t>8/04/2022</a:t>
+              <a:t>10/04/2022</a:t>
             </a:fld>
             <a:endParaRPr lang="es-CO"/>
           </a:p>
@@ -2112,7 +2117,7 @@
           <a:p>
             <a:fld id="{360A753D-C93B-4D15-A597-306F64BE7CB8}" type="datetimeFigureOut">
               <a:rPr lang="es-CO" smtClean="0"/>
-              <a:t>8/04/2022</a:t>
+              <a:t>10/04/2022</a:t>
             </a:fld>
             <a:endParaRPr lang="es-CO"/>
           </a:p>
@@ -2425,7 +2430,7 @@
           <a:p>
             <a:fld id="{360A753D-C93B-4D15-A597-306F64BE7CB8}" type="datetimeFigureOut">
               <a:rPr lang="es-CO" smtClean="0"/>
-              <a:t>8/04/2022</a:t>
+              <a:t>10/04/2022</a:t>
             </a:fld>
             <a:endParaRPr lang="es-CO"/>
           </a:p>
@@ -2714,7 +2719,7 @@
           <a:p>
             <a:fld id="{360A753D-C93B-4D15-A597-306F64BE7CB8}" type="datetimeFigureOut">
               <a:rPr lang="es-CO" smtClean="0"/>
-              <a:t>8/04/2022</a:t>
+              <a:t>10/04/2022</a:t>
             </a:fld>
             <a:endParaRPr lang="es-CO"/>
           </a:p>
@@ -2957,7 +2962,7 @@
           <a:p>
             <a:fld id="{360A753D-C93B-4D15-A597-306F64BE7CB8}" type="datetimeFigureOut">
               <a:rPr lang="es-CO" smtClean="0"/>
-              <a:t>8/04/2022</a:t>
+              <a:t>10/04/2022</a:t>
             </a:fld>
             <a:endParaRPr lang="es-CO"/>
           </a:p>
@@ -4363,7 +4368,7 @@
         </p:blipFill>
         <p:spPr>
           <a:xfrm>
-            <a:off x="2670345" y="462047"/>
+            <a:off x="2670345" y="403053"/>
             <a:ext cx="7542060" cy="5694255"/>
           </a:xfrm>
           <a:prstGeom prst="rect">

--- a/documentos/FINANZAS.pptx
+++ b/documentos/FINANZAS.pptx
@@ -293,7 +293,7 @@
           <a:p>
             <a:fld id="{360A753D-C93B-4D15-A597-306F64BE7CB8}" type="datetimeFigureOut">
               <a:rPr lang="es-CO" smtClean="0"/>
-              <a:t>10/04/2022</a:t>
+              <a:t>11/04/2022</a:t>
             </a:fld>
             <a:endParaRPr lang="es-CO"/>
           </a:p>
@@ -493,7 +493,7 @@
           <a:p>
             <a:fld id="{360A753D-C93B-4D15-A597-306F64BE7CB8}" type="datetimeFigureOut">
               <a:rPr lang="es-CO" smtClean="0"/>
-              <a:t>10/04/2022</a:t>
+              <a:t>11/04/2022</a:t>
             </a:fld>
             <a:endParaRPr lang="es-CO"/>
           </a:p>
@@ -703,7 +703,7 @@
           <a:p>
             <a:fld id="{360A753D-C93B-4D15-A597-306F64BE7CB8}" type="datetimeFigureOut">
               <a:rPr lang="es-CO" smtClean="0"/>
-              <a:t>10/04/2022</a:t>
+              <a:t>11/04/2022</a:t>
             </a:fld>
             <a:endParaRPr lang="es-CO"/>
           </a:p>
@@ -903,7 +903,7 @@
           <a:p>
             <a:fld id="{360A753D-C93B-4D15-A597-306F64BE7CB8}" type="datetimeFigureOut">
               <a:rPr lang="es-CO" smtClean="0"/>
-              <a:t>10/04/2022</a:t>
+              <a:t>11/04/2022</a:t>
             </a:fld>
             <a:endParaRPr lang="es-CO"/>
           </a:p>
@@ -1179,7 +1179,7 @@
           <a:p>
             <a:fld id="{360A753D-C93B-4D15-A597-306F64BE7CB8}" type="datetimeFigureOut">
               <a:rPr lang="es-CO" smtClean="0"/>
-              <a:t>10/04/2022</a:t>
+              <a:t>11/04/2022</a:t>
             </a:fld>
             <a:endParaRPr lang="es-CO"/>
           </a:p>
@@ -1447,7 +1447,7 @@
           <a:p>
             <a:fld id="{360A753D-C93B-4D15-A597-306F64BE7CB8}" type="datetimeFigureOut">
               <a:rPr lang="es-CO" smtClean="0"/>
-              <a:t>10/04/2022</a:t>
+              <a:t>11/04/2022</a:t>
             </a:fld>
             <a:endParaRPr lang="es-CO"/>
           </a:p>
@@ -1862,7 +1862,7 @@
           <a:p>
             <a:fld id="{360A753D-C93B-4D15-A597-306F64BE7CB8}" type="datetimeFigureOut">
               <a:rPr lang="es-CO" smtClean="0"/>
-              <a:t>10/04/2022</a:t>
+              <a:t>11/04/2022</a:t>
             </a:fld>
             <a:endParaRPr lang="es-CO"/>
           </a:p>
@@ -2004,7 +2004,7 @@
           <a:p>
             <a:fld id="{360A753D-C93B-4D15-A597-306F64BE7CB8}" type="datetimeFigureOut">
               <a:rPr lang="es-CO" smtClean="0"/>
-              <a:t>10/04/2022</a:t>
+              <a:t>11/04/2022</a:t>
             </a:fld>
             <a:endParaRPr lang="es-CO"/>
           </a:p>
@@ -2117,7 +2117,7 @@
           <a:p>
             <a:fld id="{360A753D-C93B-4D15-A597-306F64BE7CB8}" type="datetimeFigureOut">
               <a:rPr lang="es-CO" smtClean="0"/>
-              <a:t>10/04/2022</a:t>
+              <a:t>11/04/2022</a:t>
             </a:fld>
             <a:endParaRPr lang="es-CO"/>
           </a:p>
@@ -2430,7 +2430,7 @@
           <a:p>
             <a:fld id="{360A753D-C93B-4D15-A597-306F64BE7CB8}" type="datetimeFigureOut">
               <a:rPr lang="es-CO" smtClean="0"/>
-              <a:t>10/04/2022</a:t>
+              <a:t>11/04/2022</a:t>
             </a:fld>
             <a:endParaRPr lang="es-CO"/>
           </a:p>
@@ -2719,7 +2719,7 @@
           <a:p>
             <a:fld id="{360A753D-C93B-4D15-A597-306F64BE7CB8}" type="datetimeFigureOut">
               <a:rPr lang="es-CO" smtClean="0"/>
-              <a:t>10/04/2022</a:t>
+              <a:t>11/04/2022</a:t>
             </a:fld>
             <a:endParaRPr lang="es-CO"/>
           </a:p>
@@ -2962,7 +2962,7 @@
           <a:p>
             <a:fld id="{360A753D-C93B-4D15-A597-306F64BE7CB8}" type="datetimeFigureOut">
               <a:rPr lang="es-CO" smtClean="0"/>
-              <a:t>10/04/2022</a:t>
+              <a:t>11/04/2022</a:t>
             </a:fld>
             <a:endParaRPr lang="es-CO"/>
           </a:p>
